--- a/presentation/EECS 448- Project 3 Presentation.pptx
+++ b/presentation/EECS 448- Project 3 Presentation.pptx
@@ -112,6 +112,11 @@
       </a:defRPr>
     </a:lvl9pPr>
   </p:defaultTextStyle>
+  <p:extLst>
+    <p:ext uri="{EFAFB233-063F-42B5-8137-9DF3F51BA10A}">
+      <p15:sldGuideLst xmlns:p15="http://schemas.microsoft.com/office/powerpoint/2012/main"/>
+    </p:ext>
+  </p:extLst>
 </p:presentation>
 </file>
 
@@ -341,7 +346,7 @@
           <a:p>
             <a:fld id="{D345A6A5-2D80-4B8A-8414-F6A6E695AE6B}" type="datetimeFigureOut">
               <a:rPr lang="en-US" smtClean="0"/>
-              <a:t>11/1/2016</a:t>
+              <a:t>11/2/2016</a:t>
             </a:fld>
             <a:endParaRPr lang="en-US"/>
           </a:p>
@@ -511,7 +516,7 @@
           <a:p>
             <a:fld id="{D345A6A5-2D80-4B8A-8414-F6A6E695AE6B}" type="datetimeFigureOut">
               <a:rPr lang="en-US" smtClean="0"/>
-              <a:t>11/1/2016</a:t>
+              <a:t>11/2/2016</a:t>
             </a:fld>
             <a:endParaRPr lang="en-US"/>
           </a:p>
@@ -691,7 +696,7 @@
           <a:p>
             <a:fld id="{D345A6A5-2D80-4B8A-8414-F6A6E695AE6B}" type="datetimeFigureOut">
               <a:rPr lang="en-US" smtClean="0"/>
-              <a:t>11/1/2016</a:t>
+              <a:t>11/2/2016</a:t>
             </a:fld>
             <a:endParaRPr lang="en-US"/>
           </a:p>
@@ -861,7 +866,7 @@
           <a:p>
             <a:fld id="{D345A6A5-2D80-4B8A-8414-F6A6E695AE6B}" type="datetimeFigureOut">
               <a:rPr lang="en-US" smtClean="0"/>
-              <a:t>11/1/2016</a:t>
+              <a:t>11/2/2016</a:t>
             </a:fld>
             <a:endParaRPr lang="en-US"/>
           </a:p>
@@ -1119,7 +1124,7 @@
           <a:p>
             <a:fld id="{D345A6A5-2D80-4B8A-8414-F6A6E695AE6B}" type="datetimeFigureOut">
               <a:rPr lang="en-US" smtClean="0"/>
-              <a:t>11/1/2016</a:t>
+              <a:t>11/2/2016</a:t>
             </a:fld>
             <a:endParaRPr lang="en-US"/>
           </a:p>
@@ -1407,7 +1412,7 @@
           <a:p>
             <a:fld id="{D345A6A5-2D80-4B8A-8414-F6A6E695AE6B}" type="datetimeFigureOut">
               <a:rPr lang="en-US" smtClean="0"/>
-              <a:t>11/1/2016</a:t>
+              <a:t>11/2/2016</a:t>
             </a:fld>
             <a:endParaRPr lang="en-US"/>
           </a:p>
@@ -1849,7 +1854,7 @@
           <a:p>
             <a:fld id="{D345A6A5-2D80-4B8A-8414-F6A6E695AE6B}" type="datetimeFigureOut">
               <a:rPr lang="en-US" smtClean="0"/>
-              <a:t>11/1/2016</a:t>
+              <a:t>11/2/2016</a:t>
             </a:fld>
             <a:endParaRPr lang="en-US"/>
           </a:p>
@@ -1967,7 +1972,7 @@
           <a:p>
             <a:fld id="{D345A6A5-2D80-4B8A-8414-F6A6E695AE6B}" type="datetimeFigureOut">
               <a:rPr lang="en-US" smtClean="0"/>
-              <a:t>11/1/2016</a:t>
+              <a:t>11/2/2016</a:t>
             </a:fld>
             <a:endParaRPr lang="en-US"/>
           </a:p>
@@ -2062,7 +2067,7 @@
           <a:p>
             <a:fld id="{D345A6A5-2D80-4B8A-8414-F6A6E695AE6B}" type="datetimeFigureOut">
               <a:rPr lang="en-US" smtClean="0"/>
-              <a:t>11/1/2016</a:t>
+              <a:t>11/2/2016</a:t>
             </a:fld>
             <a:endParaRPr lang="en-US"/>
           </a:p>
@@ -2350,7 +2355,7 @@
           <a:p>
             <a:fld id="{D345A6A5-2D80-4B8A-8414-F6A6E695AE6B}" type="datetimeFigureOut">
               <a:rPr lang="en-US" smtClean="0"/>
-              <a:t>11/1/2016</a:t>
+              <a:t>11/2/2016</a:t>
             </a:fld>
             <a:endParaRPr lang="en-US"/>
           </a:p>
@@ -2624,7 +2629,7 @@
           <a:p>
             <a:fld id="{D345A6A5-2D80-4B8A-8414-F6A6E695AE6B}" type="datetimeFigureOut">
               <a:rPr lang="en-US" smtClean="0"/>
-              <a:t>11/1/2016</a:t>
+              <a:t>11/2/2016</a:t>
             </a:fld>
             <a:endParaRPr lang="en-US"/>
           </a:p>
@@ -2923,7 +2928,7 @@
           <a:p>
             <a:fld id="{D345A6A5-2D80-4B8A-8414-F6A6E695AE6B}" type="datetimeFigureOut">
               <a:rPr lang="en-US" smtClean="0"/>
-              <a:t>11/1/2016</a:t>
+              <a:t>11/2/2016</a:t>
             </a:fld>
             <a:endParaRPr lang="en-US"/>
           </a:p>
@@ -3611,12 +3616,20 @@
           <a:lstStyle/>
           <a:p>
             <a:r>
+              <a:rPr lang="en-US" sz="2800" dirty="0"/>
+              <a:t>T</a:t>
+            </a:r>
+            <a:r>
               <a:rPr lang="en-US" sz="2800" dirty="0" smtClean="0"/>
-              <a:t>two-player, “peer-to-peer” Checkers game</a:t>
-            </a:r>
-            <a:r>
-              <a:rPr lang="en-US" sz="2800" dirty="0"/>
-              <a:t> </a:t>
+              <a:t>wo-player </a:t>
+            </a:r>
+            <a:r>
+              <a:rPr lang="en-US" sz="2800" dirty="0" smtClean="0"/>
+              <a:t>Checkers </a:t>
+            </a:r>
+            <a:r>
+              <a:rPr lang="en-US" sz="2800" dirty="0" smtClean="0"/>
+              <a:t>game with Server managed games </a:t>
             </a:r>
             <a:r>
               <a:rPr lang="en-US" sz="2800" dirty="0" smtClean="0"/>
@@ -3818,8 +3831,9 @@
             <a:pPr lvl="1"/>
             <a:r>
               <a:rPr lang="en-US" sz="3800" dirty="0" smtClean="0"/>
-              <a:t>server connecting two players</a:t>
-            </a:r>
+              <a:t>game and server/client interface</a:t>
+            </a:r>
+            <a:endParaRPr lang="en-US" sz="3800" dirty="0" smtClean="0"/>
           </a:p>
           <a:p>
             <a:pPr lvl="1"/>
@@ -4032,7 +4046,15 @@
             <a:pPr lvl="1"/>
             <a:r>
               <a:rPr lang="en-US" sz="2400" dirty="0" smtClean="0"/>
-              <a:t>server communication</a:t>
+              <a:t>Client/server </a:t>
+            </a:r>
+            <a:r>
+              <a:rPr lang="en-US" sz="2400" dirty="0" smtClean="0"/>
+              <a:t>communication</a:t>
+            </a:r>
+            <a:r>
+              <a:rPr lang="en-US" sz="2400" dirty="0" smtClean="0"/>
+              <a:t/>
             </a:r>
             <a:br>
               <a:rPr lang="en-US" sz="2400" dirty="0" smtClean="0"/>
@@ -4319,7 +4341,7 @@
         <p:spPr/>
         <p:txBody>
           <a:bodyPr>
-            <a:normAutofit/>
+            <a:normAutofit fontScale="92500" lnSpcReduction="10000"/>
           </a:bodyPr>
           <a:lstStyle/>
           <a:p>
@@ -4345,8 +4367,26 @@
           <a:p>
             <a:r>
               <a:rPr lang="en-US" sz="3200" dirty="0" smtClean="0"/>
-              <a:t>being able to redraw the board correctly with each valid movement</a:t>
-            </a:r>
+              <a:t>being able to redraw the board correctly with each valid </a:t>
+            </a:r>
+            <a:r>
+              <a:rPr lang="en-US" sz="3200" dirty="0" smtClean="0"/>
+              <a:t>movement</a:t>
+            </a:r>
+          </a:p>
+          <a:p>
+            <a:endParaRPr lang="en-US" sz="3200" dirty="0"/>
+          </a:p>
+          <a:p>
+            <a:r>
+              <a:rPr lang="en-US" sz="3200" dirty="0"/>
+              <a:t>d</a:t>
+            </a:r>
+            <a:r>
+              <a:rPr lang="en-US" sz="3200" dirty="0" smtClean="0"/>
+              <a:t>etermining how to make game compatible with Java networking components</a:t>
+            </a:r>
+            <a:endParaRPr lang="en-US" sz="3200" dirty="0" smtClean="0"/>
           </a:p>
           <a:p>
             <a:endParaRPr lang="en-US" sz="3200" dirty="0"/>
@@ -4428,7 +4468,7 @@
         <p:spPr/>
         <p:txBody>
           <a:bodyPr>
-            <a:normAutofit/>
+            <a:normAutofit lnSpcReduction="10000"/>
           </a:bodyPr>
           <a:lstStyle/>
           <a:p>
@@ -4478,7 +4518,25 @@
           <a:p>
             <a:r>
               <a:rPr lang="en-US" sz="4000" dirty="0" smtClean="0"/>
-              <a:t>Oracle and YouTube tutorials</a:t>
+              <a:t>Java </a:t>
+            </a:r>
+            <a:r>
+              <a:rPr lang="en-US" sz="4000" dirty="0" err="1" smtClean="0"/>
+              <a:t>.net</a:t>
+            </a:r>
+            <a:endParaRPr lang="en-US" sz="4000" dirty="0" smtClean="0"/>
+          </a:p>
+          <a:p>
+            <a:endParaRPr lang="en-US" sz="4000" dirty="0" smtClean="0"/>
+          </a:p>
+          <a:p>
+            <a:r>
+              <a:rPr lang="en-US" sz="4000" dirty="0" smtClean="0"/>
+              <a:t>Oracle, YouTube and various </a:t>
+            </a:r>
+            <a:r>
+              <a:rPr lang="en-US" sz="4000" dirty="0" smtClean="0"/>
+              <a:t>tutorials</a:t>
             </a:r>
             <a:endParaRPr lang="en-US" sz="4000" dirty="0"/>
           </a:p>

--- a/presentation/EECS 448- Project 3 Presentation.pptx
+++ b/presentation/EECS 448- Project 3 Presentation.pptx
@@ -3621,19 +3621,7 @@
             </a:r>
             <a:r>
               <a:rPr lang="en-US" sz="2800" dirty="0" smtClean="0"/>
-              <a:t>wo-player </a:t>
-            </a:r>
-            <a:r>
-              <a:rPr lang="en-US" sz="2800" dirty="0" smtClean="0"/>
-              <a:t>Checkers </a:t>
-            </a:r>
-            <a:r>
-              <a:rPr lang="en-US" sz="2800" dirty="0" smtClean="0"/>
-              <a:t>game with Server managed games </a:t>
-            </a:r>
-            <a:r>
-              <a:rPr lang="en-US" sz="2800" dirty="0" smtClean="0"/>
-              <a:t>written in Java Swing</a:t>
+              <a:t>wo-player Checkers game with Server managed games written in Java Swing</a:t>
             </a:r>
             <a:br>
               <a:rPr lang="en-US" sz="2800" dirty="0" smtClean="0"/>
@@ -3813,8 +3801,12 @@
           <a:p>
             <a:pPr lvl="1"/>
             <a:r>
+              <a:rPr lang="en-US" sz="3800" smtClean="0"/>
+              <a:t>removal </a:t>
+            </a:r>
+            <a:r>
               <a:rPr lang="en-US" sz="3800" dirty="0" smtClean="0"/>
-              <a:t>removing of pieces</a:t>
+              <a:t>of pieces</a:t>
             </a:r>
             <a:br>
               <a:rPr lang="en-US" sz="3800" dirty="0" smtClean="0"/>
@@ -3833,7 +3825,6 @@
               <a:rPr lang="en-US" sz="3800" dirty="0" smtClean="0"/>
               <a:t>game and server/client interface</a:t>
             </a:r>
-            <a:endParaRPr lang="en-US" sz="3800" dirty="0" smtClean="0"/>
           </a:p>
           <a:p>
             <a:pPr lvl="1"/>
@@ -4046,15 +4037,7 @@
             <a:pPr lvl="1"/>
             <a:r>
               <a:rPr lang="en-US" sz="2400" dirty="0" smtClean="0"/>
-              <a:t>Client/server </a:t>
-            </a:r>
-            <a:r>
-              <a:rPr lang="en-US" sz="2400" dirty="0" smtClean="0"/>
-              <a:t>communication</a:t>
-            </a:r>
-            <a:r>
-              <a:rPr lang="en-US" sz="2400" dirty="0" smtClean="0"/>
-              <a:t/>
+              <a:t>Client/server communication</a:t>
             </a:r>
             <a:br>
               <a:rPr lang="en-US" sz="2400" dirty="0" smtClean="0"/>
@@ -4367,11 +4350,7 @@
           <a:p>
             <a:r>
               <a:rPr lang="en-US" sz="3200" dirty="0" smtClean="0"/>
-              <a:t>being able to redraw the board correctly with each valid </a:t>
-            </a:r>
-            <a:r>
-              <a:rPr lang="en-US" sz="3200" dirty="0" smtClean="0"/>
-              <a:t>movement</a:t>
+              <a:t>being able to redraw the board correctly with each valid movement</a:t>
             </a:r>
           </a:p>
           <a:p>
@@ -4386,7 +4365,6 @@
               <a:rPr lang="en-US" sz="3200" dirty="0" smtClean="0"/>
               <a:t>etermining how to make game compatible with Java networking components</a:t>
             </a:r>
-            <a:endParaRPr lang="en-US" sz="3200" dirty="0" smtClean="0"/>
           </a:p>
           <a:p>
             <a:endParaRPr lang="en-US" sz="3200" dirty="0"/>
@@ -4532,11 +4510,7 @@
           <a:p>
             <a:r>
               <a:rPr lang="en-US" sz="4000" dirty="0" smtClean="0"/>
-              <a:t>Oracle, YouTube and various </a:t>
-            </a:r>
-            <a:r>
-              <a:rPr lang="en-US" sz="4000" dirty="0" smtClean="0"/>
-              <a:t>tutorials</a:t>
+              <a:t>Oracle, YouTube and various tutorials</a:t>
             </a:r>
             <a:endParaRPr lang="en-US" sz="4000" dirty="0"/>
           </a:p>
